--- a/2019/SGX 취약점 동향_발표자료.pptx
+++ b/2019/SGX 취약점 동향_발표자료.pptx
@@ -240,7 +240,7 @@
           <a:p>
             <a:fld id="{45546E7E-6CE1-4F62-BC39-1BE7148D0D0D}" type="datetimeFigureOut">
               <a:rPr lang="ko-KR" altLang="en-US" smtClean="0"/>
-              <a:t>2019-11-02</a:t>
+              <a:t>2019. 11. 27.</a:t>
             </a:fld>
             <a:endParaRPr lang="ko-KR" altLang="en-US"/>
           </a:p>
@@ -405,7 +405,7 @@
           <a:p>
             <a:fld id="{6B8A1C54-2D0D-48EB-888A-9786B070F533}" type="datetimeFigureOut">
               <a:rPr lang="ko-KR" altLang="en-US" smtClean="0"/>
-              <a:t>2019-11-02</a:t>
+              <a:t>2019. 11. 27.</a:t>
             </a:fld>
             <a:endParaRPr lang="ko-KR" altLang="en-US"/>
           </a:p>
@@ -3824,7 +3824,7 @@
             </a:r>
             <a:r>
               <a:rPr lang="ko-KR" altLang="en-US" dirty="0" err="1"/>
-              <a:t>권혁동</a:t>
+              <a:t>권용빈</a:t>
             </a:r>
             <a:r>
               <a:rPr lang="en-US" altLang="ko-KR" dirty="0"/>
@@ -3832,15 +3832,19 @@
             </a:r>
             <a:r>
               <a:rPr lang="ko-KR" altLang="en-US" dirty="0"/>
+              <a:t> 김현지</a:t>
+            </a:r>
+            <a:r>
+              <a:rPr lang="en-US" altLang="ko-KR" dirty="0"/>
+              <a:t>,</a:t>
+            </a:r>
+            <a:r>
+              <a:rPr lang="ko-KR" altLang="en-US" dirty="0"/>
               <a:t> 김현준</a:t>
             </a:r>
             <a:r>
               <a:rPr lang="en-US" altLang="ko-KR" dirty="0"/>
-              <a:t>,</a:t>
-            </a:r>
-            <a:r>
-              <a:rPr lang="ko-KR" altLang="en-US" dirty="0"/>
-              <a:t> </a:t>
+              <a:t>, </a:t>
             </a:r>
             <a:r>
               <a:rPr lang="ko-KR" altLang="en-US" dirty="0" err="1"/>
